--- a/05/Class 5.pptx
+++ b/05/Class 5.pptx
@@ -3457,7 +3457,7 @@
               </a:rPr>
             </a:br>
             <a:r>
-              <a:rPr lang="" altLang="en-US" b="1"/>
+              <a:rPr lang="en-US" altLang="en-US" b="1"/>
               <a:t>The goal of ML</a:t>
             </a:r>
             <a:br>
@@ -3537,10 +3537,10 @@
           </a:bodyPr>
           <a:p>
             <a:r>
-              <a:rPr lang="" altLang="en-GB"/>
+              <a:rPr lang="en-US" altLang="en-GB"/>
               <a:t>Robust Fit</a:t>
             </a:r>
-            <a:endParaRPr lang="" altLang="en-GB"/>
+            <a:endParaRPr lang="en-US" altLang="en-GB"/>
           </a:p>
         </p:txBody>
       </p:sp>
@@ -3836,10 +3836,10 @@
           <a:bodyPr/>
           <a:p>
             <a:r>
-              <a:rPr lang="" altLang="en-GB"/>
+              <a:rPr lang="en-US" altLang="en-GB"/>
               <a:t>Manifold Analogy</a:t>
             </a:r>
-            <a:endParaRPr lang="" altLang="en-GB"/>
+            <a:endParaRPr lang="en-US" altLang="en-GB"/>
           </a:p>
         </p:txBody>
       </p:sp>
@@ -3864,7 +3864,7 @@
               <a:t>A deep learning model is basically a very high-dimensional curve—a curve that is</a:t>
             </a:r>
             <a:r>
-              <a:rPr lang="" altLang="en-GB" sz="2400"/>
+              <a:rPr lang="en-US" altLang="en-GB" sz="2400"/>
               <a:t> </a:t>
             </a:r>
             <a:r>
@@ -3872,7 +3872,7 @@
               <a:t> smooth and continuous (with additional constraints on its structure, originating from</a:t>
             </a:r>
             <a:r>
-              <a:rPr lang="" altLang="en-GB" sz="2400"/>
+              <a:rPr lang="en-US" altLang="en-GB" sz="2400"/>
               <a:t> </a:t>
             </a:r>
             <a:r>
@@ -3887,7 +3887,7 @@
               <a:t>And that curve is fitted</a:t>
             </a:r>
             <a:r>
-              <a:rPr lang="" altLang="en-GB" sz="2400"/>
+              <a:rPr lang="en-US" altLang="en-GB" sz="2400"/>
               <a:t> </a:t>
             </a:r>
             <a:r>
@@ -3902,7 +3902,7 @@
               <a:t>By its very nature,</a:t>
             </a:r>
             <a:r>
-              <a:rPr lang="" altLang="en-GB" sz="2400"/>
+              <a:rPr lang="en-US" altLang="en-GB" sz="2400"/>
               <a:t> </a:t>
             </a:r>
             <a:r>
@@ -3910,7 +3910,7 @@
               <a:t>deep learning is about taking a big, complex curve—a manifold—and incrementally</a:t>
             </a:r>
             <a:r>
-              <a:rPr lang="" altLang="en-GB" sz="2400"/>
+              <a:rPr lang="en-US" altLang="en-GB" sz="2400"/>
               <a:t> </a:t>
             </a:r>
             <a:r>
@@ -3925,7 +3925,7 @@
               <a:t>Moving along the curve learned by the model at that point will come close to moving</a:t>
             </a:r>
             <a:r>
-              <a:rPr lang="" altLang="en-GB" sz="2400"/>
+              <a:rPr lang="en-US" altLang="en-GB" sz="2400"/>
               <a:t> </a:t>
             </a:r>
             <a:r>
@@ -3933,7 +3933,7 @@
               <a:t>along the actual latent manifold of the data—as such, the model will be capable of</a:t>
             </a:r>
             <a:r>
-              <a:rPr lang="" altLang="en-GB" sz="2400"/>
+              <a:rPr lang="en-US" altLang="en-GB" sz="2400"/>
               <a:t> </a:t>
             </a:r>
             <a:r>
@@ -4021,10 +4021,10 @@
           <a:bodyPr/>
           <a:p>
             <a:r>
-              <a:rPr lang="" altLang="en-GB"/>
+              <a:rPr lang="en-US" altLang="en-GB"/>
               <a:t>Model / Data Characterstics</a:t>
             </a:r>
-            <a:endParaRPr lang="" altLang="en-GB"/>
+            <a:endParaRPr lang="en-US" altLang="en-GB"/>
           </a:p>
         </p:txBody>
       </p:sp>
@@ -4049,7 +4049,7 @@
               <a:t>Deep learning models implement a smooth, continuous mapping </a:t>
             </a:r>
             <a:r>
-              <a:rPr lang="" altLang="en-GB"/>
+              <a:rPr lang="en-US" altLang="en-GB"/>
               <a:t>(mean differentiable - for gradient descent calc) essential for </a:t>
             </a:r>
             <a:r>
@@ -4057,7 +4057,7 @@
               <a:t>from their</a:t>
             </a:r>
             <a:r>
-              <a:rPr lang="" altLang="en-GB"/>
+              <a:rPr lang="en-US" altLang="en-GB"/>
               <a:t> </a:t>
             </a:r>
             <a:r>
@@ -4072,7 +4072,7 @@
               <a:t>The more informative and the less noisy your</a:t>
             </a:r>
             <a:r>
-              <a:rPr lang="" altLang="en-GB"/>
+              <a:rPr lang="en-US" altLang="en-GB"/>
               <a:t> </a:t>
             </a:r>
             <a:r>
@@ -4080,7 +4080,7 @@
               <a:t>features are, the better you will be able to generalize, since your input space will be</a:t>
             </a:r>
             <a:r>
-              <a:rPr lang="" altLang="en-GB"/>
+              <a:rPr lang="en-US" altLang="en-GB"/>
               <a:t> </a:t>
             </a:r>
             <a:r>
@@ -4095,7 +4095,7 @@
               <a:t> </a:t>
             </a:r>
             <a:r>
-              <a:rPr lang="" altLang="en-GB"/>
+              <a:rPr lang="en-US" altLang="en-GB"/>
               <a:t>For the </a:t>
             </a:r>
             <a:r>
@@ -4103,7 +4103,7 @@
               <a:t>model to perform well it needs</a:t>
             </a:r>
             <a:r>
-              <a:rPr lang="" altLang="en-GB"/>
+              <a:rPr lang="en-US" altLang="en-GB"/>
               <a:t> </a:t>
             </a:r>
             <a:r>
@@ -4111,7 +4111,7 @@
               <a:t>to be trained on a </a:t>
             </a:r>
             <a:r>
-              <a:rPr lang="" altLang="en-GB"/>
+              <a:rPr lang="en-US" altLang="en-GB"/>
               <a:t>“</a:t>
             </a:r>
             <a:r>
@@ -4119,7 +4119,7 @@
               <a:t>dense sampling</a:t>
             </a:r>
             <a:r>
-              <a:rPr lang="" altLang="en-GB"/>
+              <a:rPr lang="en-US" altLang="en-GB"/>
               <a:t>”</a:t>
             </a:r>
             <a:r>
@@ -4127,7 +4127,7 @@
               <a:t> of its input space</a:t>
             </a:r>
             <a:r>
-              <a:rPr lang="" altLang="en-GB"/>
+              <a:rPr lang="en-US" altLang="en-GB"/>
               <a:t> (</a:t>
             </a:r>
             <a:r>
@@ -4135,7 +4135,7 @@
               <a:t>means that the training data should densely cover the entirety of the input data</a:t>
             </a:r>
             <a:r>
-              <a:rPr lang="" altLang="en-GB"/>
+              <a:rPr lang="en-US" altLang="en-GB"/>
               <a:t> </a:t>
             </a:r>
             <a:r>
@@ -4143,7 +4143,7 @@
               <a:t>manifold</a:t>
             </a:r>
             <a:r>
-              <a:rPr lang="" altLang="en-GB"/>
+              <a:rPr lang="en-US" altLang="en-GB"/>
               <a:t>)</a:t>
             </a:r>
             <a:endParaRPr lang="en-GB" altLang="en-US"/>
@@ -4186,10 +4186,10 @@
           <a:bodyPr/>
           <a:p>
             <a:r>
-              <a:rPr lang="" altLang="en-GB"/>
+              <a:rPr lang="en-US" altLang="en-GB"/>
               <a:t>Dense Sampling &amp; Interpolation</a:t>
             </a:r>
-            <a:endParaRPr lang="" altLang="en-GB"/>
+            <a:endParaRPr lang="en-US" altLang="en-GB"/>
           </a:p>
         </p:txBody>
       </p:sp>
@@ -4252,10 +4252,10 @@
           <a:bodyPr/>
           <a:p>
             <a:r>
-              <a:rPr lang="" altLang="en-GB"/>
+              <a:rPr lang="en-US" altLang="en-GB"/>
               <a:t>Ways to achieve Generalization</a:t>
             </a:r>
-            <a:endParaRPr lang="" altLang="en-GB"/>
+            <a:endParaRPr lang="en-US" altLang="en-GB"/>
           </a:p>
         </p:txBody>
       </p:sp>
@@ -4318,10 +4318,10 @@
           <a:bodyPr/>
           <a:p>
             <a:r>
-              <a:rPr lang="" altLang="en-GB"/>
+              <a:rPr lang="en-US" altLang="en-GB"/>
               <a:t>Informaton Leaks</a:t>
             </a:r>
-            <a:endParaRPr lang="" altLang="en-GB"/>
+            <a:endParaRPr lang="en-US" altLang="en-GB"/>
           </a:p>
         </p:txBody>
       </p:sp>
@@ -4340,10 +4340,10 @@
           <a:bodyPr/>
           <a:p>
             <a:r>
-              <a:rPr lang="" altLang="en-GB"/>
+              <a:rPr lang="en-US" altLang="en-GB"/>
               <a:t>The Train data should not be DUPLICATED in Validation/Test samples.</a:t>
             </a:r>
-            <a:endParaRPr lang="" altLang="en-GB"/>
+            <a:endParaRPr lang="en-US" altLang="en-GB"/>
           </a:p>
           <a:p>
             <a:r>
@@ -4351,7 +4351,7 @@
               <a:t>Every time you tune</a:t>
             </a:r>
             <a:r>
-              <a:rPr lang="" altLang="en-GB"/>
+              <a:rPr lang="en-US" altLang="en-GB"/>
               <a:t> </a:t>
             </a:r>
             <a:r>
@@ -4359,7 +4359,7 @@
               <a:t>a hyperparameter of your model based on the model’s performance on the validation</a:t>
             </a:r>
             <a:r>
-              <a:rPr lang="" altLang="en-GB"/>
+              <a:rPr lang="en-US" altLang="en-GB"/>
               <a:t> </a:t>
             </a:r>
             <a:r>
@@ -4367,7 +4367,7 @@
               <a:t>set, some information about the validation data leaks into the model</a:t>
             </a:r>
             <a:r>
-              <a:rPr lang="" altLang="en-GB"/>
+              <a:rPr lang="en-US" altLang="en-GB"/>
               <a:t> -- AVOID REPEATING</a:t>
             </a:r>
             <a:endParaRPr lang="en-GB" altLang="en-US"/>
@@ -4438,34 +4438,34 @@
               <a:t>Data representativeness</a:t>
             </a:r>
             <a:r>
-              <a:rPr lang="" altLang="en-GB"/>
+              <a:rPr lang="en-US" altLang="en-GB"/>
               <a:t> (train/validation data to have representation of all scenerios / classes -- that’s why we shuffle before splitting)</a:t>
             </a:r>
-            <a:endParaRPr lang="" altLang="en-GB"/>
-          </a:p>
-          <a:p>
-            <a:r>
-              <a:rPr lang="" altLang="en-GB"/>
+            <a:endParaRPr lang="en-US" altLang="en-GB"/>
+          </a:p>
+          <a:p>
+            <a:r>
+              <a:rPr lang="en-US" altLang="en-GB"/>
               <a:t>The arrow of time (shouldn’t shuffle the time-series data)</a:t>
             </a:r>
-            <a:endParaRPr lang="" altLang="en-GB"/>
-          </a:p>
-          <a:p>
-            <a:r>
-              <a:rPr lang="" altLang="en-GB"/>
+            <a:endParaRPr lang="en-US" altLang="en-GB"/>
+          </a:p>
+          <a:p>
+            <a:r>
+              <a:rPr lang="en-US" altLang="en-GB"/>
               <a:t>Redundancy in your data </a:t>
             </a:r>
             <a:br>
-              <a:rPr lang="" altLang="en-GB"/>
+              <a:rPr lang="en-US" altLang="en-GB"/>
             </a:br>
             <a:r>
-              <a:rPr lang="" altLang="en-GB"/>
+              <a:rPr lang="en-US" altLang="en-GB"/>
               <a:t>( Make sure your training set and validation set are disjoint)</a:t>
             </a:r>
-            <a:endParaRPr lang="" altLang="en-GB"/>
-          </a:p>
-          <a:p>
-            <a:endParaRPr lang="" altLang="en-GB"/>
+            <a:endParaRPr lang="en-US" altLang="en-GB"/>
+          </a:p>
+          <a:p>
+            <a:endParaRPr lang="en-US" altLang="en-GB"/>
           </a:p>
         </p:txBody>
       </p:sp>
@@ -4847,7 +4847,7 @@
               <a:t> </a:t>
             </a:r>
             <a:r>
-              <a:rPr lang="" altLang="en-GB" b="1"/>
+              <a:rPr lang="en-US" altLang="en-GB" b="1"/>
               <a:t>Common Observations in model fit.</a:t>
             </a:r>
             <a:endParaRPr lang="en-GB" altLang="en-US" b="1"/>
@@ -4874,7 +4874,7 @@
               <a:buNone/>
             </a:pPr>
             <a:r>
-              <a:rPr lang="" altLang="en-GB"/>
+              <a:rPr lang="en-US" altLang="en-GB"/>
               <a:t>Model at first must</a:t>
             </a:r>
             <a:r>
@@ -4882,7 +4882,7 @@
               <a:t> overfit</a:t>
             </a:r>
             <a:r>
-              <a:rPr lang="" altLang="en-GB"/>
+              <a:rPr lang="en-US" altLang="en-GB"/>
               <a:t>, to know i</a:t>
             </a:r>
             <a:r>
@@ -4890,7 +4890,7 @@
               <a:t>n advance</a:t>
             </a:r>
             <a:r>
-              <a:rPr lang="" altLang="en-GB"/>
+              <a:rPr lang="en-US" altLang="en-GB"/>
               <a:t> </a:t>
             </a:r>
             <a:r>
@@ -4927,7 +4927,7 @@
               <a:t>Training and validation loss both go down over time, and you can beat your</a:t>
             </a:r>
             <a:r>
-              <a:rPr lang="" altLang="en-GB"/>
+              <a:rPr lang="en-US" altLang="en-GB"/>
               <a:t> </a:t>
             </a:r>
             <a:r>
@@ -4935,7 +4935,7 @@
               <a:t>baseline, but you don’t seem to be able to overfit, which indicates you’re still</a:t>
             </a:r>
             <a:r>
-              <a:rPr lang="" altLang="en-GB"/>
+              <a:rPr lang="en-US" altLang="en-GB"/>
               <a:t> </a:t>
             </a:r>
             <a:r>
@@ -4976,7 +4976,7 @@
               <a:buFont typeface="+mj-lt"/>
               <a:buNone/>
             </a:pPr>
-            <a:endParaRPr lang="" altLang="en-GB"/>
+            <a:endParaRPr lang="en-US" altLang="en-GB"/>
           </a:p>
         </p:txBody>
       </p:sp>
@@ -5015,16 +5015,16 @@
           </a:bodyPr>
           <a:p>
             <a:r>
-              <a:rPr lang="" altLang="en-US" b="1">
+              <a:rPr lang="en-US" altLang="en-US" b="1">
                 <a:sym typeface="+mn-ea"/>
               </a:rPr>
               <a:t>Tuning </a:t>
             </a:r>
             <a:r>
-              <a:rPr lang="" altLang="en-GB" b="1"/>
+              <a:rPr lang="en-US" altLang="en-GB" b="1"/>
               <a:t>Hyper Parameters</a:t>
             </a:r>
-            <a:endParaRPr lang="" altLang="en-GB" b="1"/>
+            <a:endParaRPr lang="en-US" altLang="en-GB" b="1"/>
           </a:p>
         </p:txBody>
       </p:sp>
@@ -5060,21 +5060,21 @@
               <a:buNone/>
             </a:pPr>
             <a:r>
-              <a:rPr lang="" altLang="en-GB"/>
+              <a:rPr lang="en-US" altLang="en-GB"/>
               <a:t>1. Tuning key gradient descent parameters </a:t>
             </a:r>
             <a:br>
-              <a:rPr lang="" altLang="en-GB"/>
+              <a:rPr lang="en-US" altLang="en-GB"/>
             </a:br>
             <a:r>
-              <a:rPr lang="" altLang="en-GB"/>
+              <a:rPr lang="en-US" altLang="en-GB"/>
               <a:t> * Learning Rate</a:t>
             </a:r>
             <a:br>
-              <a:rPr lang="" altLang="en-GB"/>
+              <a:rPr lang="en-US" altLang="en-GB"/>
             </a:br>
             <a:r>
-              <a:rPr lang="" altLang="en-US">
+              <a:rPr lang="en-US" altLang="en-US">
                 <a:sym typeface="+mn-ea"/>
               </a:rPr>
               <a:t> * </a:t>
@@ -5091,7 +5091,7 @@
               </a:rPr>
             </a:br>
             <a:r>
-              <a:rPr lang="" altLang="en-US">
+              <a:rPr lang="en-US" altLang="en-US">
                 <a:sym typeface="+mn-ea"/>
               </a:rPr>
               <a:t> * </a:t>
@@ -5114,7 +5114,7 @@
               <a:t> </a:t>
             </a:r>
             <a:r>
-              <a:rPr lang="" altLang="en-US">
+              <a:rPr lang="en-US" altLang="en-US">
                 <a:sym typeface="+mn-ea"/>
               </a:rPr>
               <a:t>* </a:t>
@@ -5133,64 +5133,64 @@
             <a:pPr marL="0" indent="0">
               <a:buNone/>
             </a:pPr>
-            <a:endParaRPr lang="" altLang="en-GB"/>
+            <a:endParaRPr lang="en-US" altLang="en-GB"/>
           </a:p>
           <a:p>
             <a:pPr marL="0" indent="0">
               <a:buNone/>
             </a:pPr>
             <a:r>
-              <a:rPr lang="" altLang="en-GB"/>
+              <a:rPr lang="en-US" altLang="en-GB"/>
               <a:t>2. Increasing Model Capacity </a:t>
             </a:r>
             <a:br>
-              <a:rPr lang="" altLang="en-GB"/>
+              <a:rPr lang="en-US" altLang="en-GB"/>
             </a:br>
             <a:r>
-              <a:rPr lang="" altLang="en-GB"/>
+              <a:rPr lang="en-US" altLang="en-GB"/>
               <a:t> * Number of Layers</a:t>
             </a:r>
             <a:br>
-              <a:rPr lang="" altLang="en-GB"/>
+              <a:rPr lang="en-US" altLang="en-GB"/>
             </a:br>
             <a:r>
-              <a:rPr lang="" altLang="en-GB"/>
+              <a:rPr lang="en-US" altLang="en-GB"/>
               <a:t> * Number of unites in layers</a:t>
             </a:r>
             <a:br>
-              <a:rPr lang="" altLang="en-GB"/>
+              <a:rPr lang="en-US" altLang="en-GB"/>
             </a:br>
             <a:r>
-              <a:rPr lang="" altLang="en-GB"/>
+              <a:rPr lang="en-US" altLang="en-GB"/>
               <a:t>    (both of these multiply to determine no. of model parameters/weights)</a:t>
             </a:r>
-            <a:endParaRPr lang="" altLang="en-GB"/>
+            <a:endParaRPr lang="en-US" altLang="en-GB"/>
           </a:p>
           <a:p>
             <a:pPr marL="0" indent="0">
               <a:buNone/>
             </a:pPr>
             <a:r>
-              <a:rPr lang="" altLang="en-GB"/>
+              <a:rPr lang="en-US" altLang="en-GB"/>
               <a:t>3. Others</a:t>
             </a:r>
             <a:br>
-              <a:rPr lang="" altLang="en-GB"/>
+              <a:rPr lang="en-US" altLang="en-GB"/>
             </a:br>
             <a:r>
-              <a:rPr lang="" altLang="en-GB"/>
+              <a:rPr lang="en-US" altLang="en-GB"/>
               <a:t> * Choice of Activation Function (...)</a:t>
             </a:r>
-            <a:endParaRPr lang="" altLang="en-GB"/>
+            <a:endParaRPr lang="en-US" altLang="en-GB"/>
           </a:p>
           <a:p>
             <a:pPr marL="0" indent="0">
               <a:buNone/>
             </a:pPr>
-            <a:endParaRPr lang="" altLang="en-GB"/>
-          </a:p>
-          <a:p>
-            <a:endParaRPr lang="" altLang="en-GB"/>
+            <a:endParaRPr lang="en-US" altLang="en-GB"/>
+          </a:p>
+          <a:p>
+            <a:endParaRPr lang="en-US" altLang="en-GB"/>
           </a:p>
         </p:txBody>
       </p:sp>
@@ -5274,7 +5274,7 @@
               <a:t>If you have many features and you aren’t sure which ones are actually useful, do</a:t>
             </a:r>
             <a:r>
-              <a:rPr lang="" altLang="en-GB"/>
+              <a:rPr lang="en-US" altLang="en-GB"/>
               <a:t> </a:t>
             </a:r>
             <a:r>
@@ -5289,16 +5289,16 @@
               <a:t>Feature engineering</a:t>
             </a:r>
             <a:r>
-              <a:rPr lang="" altLang="en-GB"/>
+              <a:rPr lang="en-US" altLang="en-GB"/>
               <a:t> (conversion of features to more learn-friendly ones)</a:t>
             </a:r>
-            <a:endParaRPr lang="" altLang="en-GB"/>
+            <a:endParaRPr lang="en-US" altLang="en-GB"/>
           </a:p>
           <a:p>
             <a:pPr marL="0" indent="0">
               <a:buNone/>
             </a:pPr>
-            <a:endParaRPr lang="" altLang="en-GB"/>
+            <a:endParaRPr lang="en-US" altLang="en-GB"/>
           </a:p>
         </p:txBody>
       </p:sp>
@@ -5335,10 +5335,10 @@
           <a:bodyPr/>
           <a:p>
             <a:r>
-              <a:rPr lang="" altLang="en-GB"/>
+              <a:rPr lang="en-US" altLang="en-GB"/>
               <a:t>Other ways to prevent over fitting</a:t>
             </a:r>
-            <a:endParaRPr lang="" altLang="en-GB"/>
+            <a:endParaRPr lang="en-US" altLang="en-GB"/>
           </a:p>
         </p:txBody>
       </p:sp>
@@ -5362,7 +5362,7 @@
               <a:buNone/>
             </a:pPr>
             <a:r>
-              <a:rPr lang="" altLang="en-GB" b="1"/>
+              <a:rPr lang="en-US" altLang="en-GB" b="1"/>
               <a:t>EARLY STOPPING:</a:t>
             </a:r>
             <a:br>
@@ -5373,7 +5373,7 @@
               <a:t>Finding the exact point during training where you’ve reached the most generalizable fit—the exact boundary between an underfit curve and an overfit curve—is one</a:t>
             </a:r>
             <a:r>
-              <a:rPr lang="" altLang="en-GB"/>
+              <a:rPr lang="en-US" altLang="en-GB"/>
               <a:t> </a:t>
             </a:r>
             <a:r>
@@ -5393,53 +5393,53 @@
               <a:buNone/>
             </a:pPr>
             <a:r>
-              <a:rPr lang="" altLang="en-GB" b="1"/>
+              <a:rPr lang="en-US" altLang="en-GB" b="1"/>
               <a:t>REGULARIZATION: (panelty for loss function)</a:t>
             </a:r>
-            <a:endParaRPr lang="" altLang="en-GB" b="1"/>
+            <a:endParaRPr lang="en-US" altLang="en-GB" b="1"/>
           </a:p>
           <a:p>
             <a:pPr marL="0" indent="0">
               <a:buNone/>
             </a:pPr>
             <a:r>
-              <a:rPr lang="" altLang="en-GB" b="1"/>
+              <a:rPr lang="en-US" altLang="en-GB" b="1"/>
               <a:t>L1 -&gt; L * sum(weights)</a:t>
             </a:r>
-            <a:endParaRPr lang="" altLang="en-GB" b="1"/>
+            <a:endParaRPr lang="en-US" altLang="en-GB" b="1"/>
           </a:p>
           <a:p>
             <a:pPr marL="0" indent="0">
               <a:buNone/>
             </a:pPr>
             <a:r>
-              <a:rPr lang="" altLang="en-GB" b="1"/>
+              <a:rPr lang="en-US" altLang="en-GB" b="1"/>
               <a:t>L2 -&gt; L * sum(weights^2)</a:t>
             </a:r>
             <a:br>
-              <a:rPr lang="" altLang="en-GB" b="1"/>
+              <a:rPr lang="en-US" altLang="en-GB" b="1"/>
             </a:br>
             <a:br>
-              <a:rPr lang="" altLang="en-GB" b="1"/>
+              <a:rPr lang="en-US" altLang="en-GB" b="1"/>
             </a:br>
-            <a:endParaRPr lang="" altLang="en-GB" b="1"/>
+            <a:endParaRPr lang="en-US" altLang="en-GB" b="1"/>
           </a:p>
           <a:p>
             <a:pPr marL="0" indent="0">
               <a:buNone/>
             </a:pPr>
             <a:r>
-              <a:rPr lang="" altLang="en-GB" b="1"/>
+              <a:rPr lang="en-US" altLang="en-GB" b="1"/>
               <a:t>DROPOUT:</a:t>
             </a:r>
             <a:br>
-              <a:rPr lang="" altLang="en-GB" b="1"/>
+              <a:rPr lang="en-US" altLang="en-GB" b="1"/>
             </a:br>
             <a:r>
-              <a:rPr lang="" altLang="en-GB"/>
+              <a:rPr lang="en-US" altLang="en-GB"/>
               <a:t>dropping layers from calculation</a:t>
             </a:r>
-            <a:endParaRPr lang="" altLang="en-GB"/>
+            <a:endParaRPr lang="en-US" altLang="en-GB"/>
           </a:p>
         </p:txBody>
       </p:sp>
@@ -6971,27 +6971,9 @@
         <p:nvPr/>
       </p:nvGrpSpPr>
       <p:grpSpPr/>
-      <p:sp>
-        <p:nvSpPr>
-          <p:cNvPr id="2" name="Title 1"/>
-          <p:cNvSpPr>
-            <a:spLocks noGrp="1"/>
-          </p:cNvSpPr>
-          <p:nvPr>
-            <p:ph type="title"/>
-          </p:nvPr>
-        </p:nvSpPr>
-        <p:spPr/>
-        <p:txBody>
-          <a:bodyPr/>
-          <a:p>
-            <a:endParaRPr lang="en-GB" altLang="en-US"/>
-          </a:p>
-        </p:txBody>
-      </p:sp>
       <p:pic>
         <p:nvPicPr>
-          <p:cNvPr id="4" name="Content Placeholder 3"/>
+          <p:cNvPr id="5" name="Content Placeholder 4"/>
           <p:cNvPicPr>
             <a:picLocks noChangeAspect="1"/>
           </p:cNvPicPr>
@@ -7007,8 +6989,8 @@
         </p:blipFill>
         <p:spPr>
           <a:xfrm>
-            <a:off x="3162300" y="1825625"/>
-            <a:ext cx="5866765" cy="4351655"/>
+            <a:off x="473075" y="1957070"/>
+            <a:ext cx="11389995" cy="2827020"/>
           </a:xfrm>
           <a:prstGeom prst="rect">
             <a:avLst/>
